--- a/photos/material editable/material, logo editable.pptx
+++ b/photos/material editable/material, logo editable.pptx
@@ -296,7 +296,7 @@
           <a:p>
             <a:fld id="{40B73C49-4556-ED49-9A01-11AC5ECB6D0B}" type="datetimeFigureOut">
               <a:rPr lang="es-CL" smtClean="0"/>
-              <a:t>16-04-2024</a:t>
+              <a:t>27-05-2024</a:t>
             </a:fld>
             <a:endParaRPr lang="es-CL"/>
           </a:p>
@@ -496,7 +496,7 @@
           <a:p>
             <a:fld id="{40B73C49-4556-ED49-9A01-11AC5ECB6D0B}" type="datetimeFigureOut">
               <a:rPr lang="es-CL" smtClean="0"/>
-              <a:t>16-04-2024</a:t>
+              <a:t>27-05-2024</a:t>
             </a:fld>
             <a:endParaRPr lang="es-CL"/>
           </a:p>
@@ -706,7 +706,7 @@
           <a:p>
             <a:fld id="{40B73C49-4556-ED49-9A01-11AC5ECB6D0B}" type="datetimeFigureOut">
               <a:rPr lang="es-CL" smtClean="0"/>
-              <a:t>16-04-2024</a:t>
+              <a:t>27-05-2024</a:t>
             </a:fld>
             <a:endParaRPr lang="es-CL"/>
           </a:p>
@@ -906,7 +906,7 @@
           <a:p>
             <a:fld id="{40B73C49-4556-ED49-9A01-11AC5ECB6D0B}" type="datetimeFigureOut">
               <a:rPr lang="es-CL" smtClean="0"/>
-              <a:t>16-04-2024</a:t>
+              <a:t>27-05-2024</a:t>
             </a:fld>
             <a:endParaRPr lang="es-CL"/>
           </a:p>
@@ -1182,7 +1182,7 @@
           <a:p>
             <a:fld id="{40B73C49-4556-ED49-9A01-11AC5ECB6D0B}" type="datetimeFigureOut">
               <a:rPr lang="es-CL" smtClean="0"/>
-              <a:t>16-04-2024</a:t>
+              <a:t>27-05-2024</a:t>
             </a:fld>
             <a:endParaRPr lang="es-CL"/>
           </a:p>
@@ -1450,7 +1450,7 @@
           <a:p>
             <a:fld id="{40B73C49-4556-ED49-9A01-11AC5ECB6D0B}" type="datetimeFigureOut">
               <a:rPr lang="es-CL" smtClean="0"/>
-              <a:t>16-04-2024</a:t>
+              <a:t>27-05-2024</a:t>
             </a:fld>
             <a:endParaRPr lang="es-CL"/>
           </a:p>
@@ -1865,7 +1865,7 @@
           <a:p>
             <a:fld id="{40B73C49-4556-ED49-9A01-11AC5ECB6D0B}" type="datetimeFigureOut">
               <a:rPr lang="es-CL" smtClean="0"/>
-              <a:t>16-04-2024</a:t>
+              <a:t>27-05-2024</a:t>
             </a:fld>
             <a:endParaRPr lang="es-CL"/>
           </a:p>
@@ -2007,7 +2007,7 @@
           <a:p>
             <a:fld id="{40B73C49-4556-ED49-9A01-11AC5ECB6D0B}" type="datetimeFigureOut">
               <a:rPr lang="es-CL" smtClean="0"/>
-              <a:t>16-04-2024</a:t>
+              <a:t>27-05-2024</a:t>
             </a:fld>
             <a:endParaRPr lang="es-CL"/>
           </a:p>
@@ -2120,7 +2120,7 @@
           <a:p>
             <a:fld id="{40B73C49-4556-ED49-9A01-11AC5ECB6D0B}" type="datetimeFigureOut">
               <a:rPr lang="es-CL" smtClean="0"/>
-              <a:t>16-04-2024</a:t>
+              <a:t>27-05-2024</a:t>
             </a:fld>
             <a:endParaRPr lang="es-CL"/>
           </a:p>
@@ -2433,7 +2433,7 @@
           <a:p>
             <a:fld id="{40B73C49-4556-ED49-9A01-11AC5ECB6D0B}" type="datetimeFigureOut">
               <a:rPr lang="es-CL" smtClean="0"/>
-              <a:t>16-04-2024</a:t>
+              <a:t>27-05-2024</a:t>
             </a:fld>
             <a:endParaRPr lang="es-CL"/>
           </a:p>
@@ -2722,7 +2722,7 @@
           <a:p>
             <a:fld id="{40B73C49-4556-ED49-9A01-11AC5ECB6D0B}" type="datetimeFigureOut">
               <a:rPr lang="es-CL" smtClean="0"/>
-              <a:t>16-04-2024</a:t>
+              <a:t>27-05-2024</a:t>
             </a:fld>
             <a:endParaRPr lang="es-CL"/>
           </a:p>
@@ -2965,7 +2965,7 @@
           <a:p>
             <a:fld id="{40B73C49-4556-ED49-9A01-11AC5ECB6D0B}" type="datetimeFigureOut">
               <a:rPr lang="es-CL" smtClean="0"/>
-              <a:t>16-04-2024</a:t>
+              <a:t>27-05-2024</a:t>
             </a:fld>
             <a:endParaRPr lang="es-CL"/>
           </a:p>
@@ -4533,6 +4533,62 @@
       </p:sp>
       <p:sp>
         <p:nvSpPr>
+          <p:cNvPr id="12" name="Rectángulo: esquinas redondeadas 11">
+            <a:extLst>
+              <a:ext uri="{FF2B5EF4-FFF2-40B4-BE49-F238E27FC236}">
+                <a16:creationId xmlns:a16="http://schemas.microsoft.com/office/drawing/2014/main" id="{C1EC073D-6DDC-4E89-3A04-713ECC490DFF}"/>
+              </a:ext>
+            </a:extLst>
+          </p:cNvPr>
+          <p:cNvSpPr>
+            <a:spLocks noChangeAspect="1"/>
+          </p:cNvSpPr>
+          <p:nvPr/>
+        </p:nvSpPr>
+        <p:spPr>
+          <a:xfrm>
+            <a:off x="4836430" y="0"/>
+            <a:ext cx="6656442" cy="7202341"/>
+          </a:xfrm>
+          <a:prstGeom prst="roundRect">
+            <a:avLst>
+              <a:gd name="adj" fmla="val 16402"/>
+            </a:avLst>
+          </a:prstGeom>
+          <a:solidFill>
+            <a:schemeClr val="bg1"/>
+          </a:solidFill>
+          <a:ln>
+            <a:noFill/>
+          </a:ln>
+        </p:spPr>
+        <p:style>
+          <a:lnRef idx="2">
+            <a:schemeClr val="accent1">
+              <a:shade val="15000"/>
+            </a:schemeClr>
+          </a:lnRef>
+          <a:fillRef idx="1">
+            <a:schemeClr val="accent1"/>
+          </a:fillRef>
+          <a:effectRef idx="0">
+            <a:schemeClr val="accent1"/>
+          </a:effectRef>
+          <a:fontRef idx="minor">
+            <a:schemeClr val="lt1"/>
+          </a:fontRef>
+        </p:style>
+        <p:txBody>
+          <a:bodyPr rtlCol="0" anchor="ctr"/>
+          <a:lstStyle/>
+          <a:p>
+            <a:pPr algn="ctr"/>
+            <a:endParaRPr lang="es-CL"/>
+          </a:p>
+        </p:txBody>
+      </p:sp>
+      <p:sp>
+        <p:nvSpPr>
           <p:cNvPr id="3" name="Rectángulo: esquinas redondeadas 2">
             <a:extLst>
               <a:ext uri="{FF2B5EF4-FFF2-40B4-BE49-F238E27FC236}">
@@ -5613,6 +5669,1024 @@
               <a:extLst>
                 <a:ext uri="{FF2B5EF4-FFF2-40B4-BE49-F238E27FC236}">
                   <a16:creationId xmlns:a16="http://schemas.microsoft.com/office/drawing/2014/main" id="{F10EAFD5-0E1F-C0F7-E688-549CB824AAD1}"/>
+                </a:ext>
+              </a:extLst>
+            </p:cNvPr>
+            <p:cNvPicPr>
+              <a:picLocks noChangeAspect="1"/>
+            </p:cNvPicPr>
+            <p:nvPr/>
+          </p:nvPicPr>
+          <p:blipFill rotWithShape="1">
+            <a:blip r:embed="rId2">
+              <a:extLst>
+                <a:ext uri="{BEBA8EAE-BF5A-486C-A8C5-ECC9F3942E4B}">
+                  <a14:imgProps xmlns:a14="http://schemas.microsoft.com/office/drawing/2010/main">
+                    <a14:imgLayer r:embed="rId5">
+                      <a14:imgEffect>
+                        <a14:backgroundRemoval t="10000" b="90000" l="10000" r="90000">
+                          <a14:backgroundMark x1="41895" y1="41406" x2="43555" y2="51074"/>
+                          <a14:backgroundMark x1="67773" y1="22070" x2="67773" y2="22070"/>
+                        </a14:backgroundRemoval>
+                      </a14:imgEffect>
+                    </a14:imgLayer>
+                  </a14:imgProps>
+                </a:ext>
+              </a:extLst>
+            </a:blip>
+            <a:srcRect l="29700" t="61581" r="38416" b="32043"/>
+            <a:stretch/>
+          </p:blipFill>
+          <p:spPr>
+            <a:xfrm rot="16200000" flipV="1">
+              <a:off x="3784556" y="1904954"/>
+              <a:ext cx="412076" cy="1081536"/>
+            </a:xfrm>
+            <a:prstGeom prst="rect">
+              <a:avLst/>
+            </a:prstGeom>
+            <a:effectLst>
+              <a:softEdge rad="25400"/>
+            </a:effectLst>
+          </p:spPr>
+        </p:pic>
+      </p:grpSp>
+      <p:grpSp>
+        <p:nvGrpSpPr>
+          <p:cNvPr id="4" name="Grupo 3">
+            <a:extLst>
+              <a:ext uri="{FF2B5EF4-FFF2-40B4-BE49-F238E27FC236}">
+                <a16:creationId xmlns:a16="http://schemas.microsoft.com/office/drawing/2014/main" id="{16663DF9-B800-D89A-92B3-4E9E7254BDF4}"/>
+              </a:ext>
+            </a:extLst>
+          </p:cNvPr>
+          <p:cNvGrpSpPr>
+            <a:grpSpLocks noChangeAspect="1"/>
+          </p:cNvGrpSpPr>
+          <p:nvPr/>
+        </p:nvGrpSpPr>
+        <p:grpSpPr>
+          <a:xfrm>
+            <a:off x="5693404" y="908699"/>
+            <a:ext cx="5155461" cy="5427837"/>
+            <a:chOff x="1680603" y="713138"/>
+            <a:chExt cx="3304976" cy="3479586"/>
+          </a:xfrm>
+        </p:grpSpPr>
+        <p:grpSp>
+          <p:nvGrpSpPr>
+            <p:cNvPr id="6" name="Grupo 5">
+              <a:extLst>
+                <a:ext uri="{FF2B5EF4-FFF2-40B4-BE49-F238E27FC236}">
+                  <a16:creationId xmlns:a16="http://schemas.microsoft.com/office/drawing/2014/main" id="{456DCABA-9863-241D-3E84-39E6A553529E}"/>
+                </a:ext>
+              </a:extLst>
+            </p:cNvPr>
+            <p:cNvGrpSpPr/>
+            <p:nvPr/>
+          </p:nvGrpSpPr>
+          <p:grpSpPr>
+            <a:xfrm>
+              <a:off x="1680603" y="713138"/>
+              <a:ext cx="3304976" cy="3479586"/>
+              <a:chOff x="1680603" y="713138"/>
+              <a:chExt cx="3304976" cy="3479586"/>
+            </a:xfrm>
+          </p:grpSpPr>
+          <p:grpSp>
+            <p:nvGrpSpPr>
+              <p:cNvPr id="11" name="Grupo 10">
+                <a:extLst>
+                  <a:ext uri="{FF2B5EF4-FFF2-40B4-BE49-F238E27FC236}">
+                    <a16:creationId xmlns:a16="http://schemas.microsoft.com/office/drawing/2014/main" id="{CD9CE303-F075-7C4A-93A4-A34E0F677520}"/>
+                  </a:ext>
+                </a:extLst>
+              </p:cNvPr>
+              <p:cNvGrpSpPr/>
+              <p:nvPr/>
+            </p:nvGrpSpPr>
+            <p:grpSpPr>
+              <a:xfrm>
+                <a:off x="1680603" y="713138"/>
+                <a:ext cx="3304976" cy="3479586"/>
+                <a:chOff x="4451659" y="1265344"/>
+                <a:chExt cx="3304976" cy="3479586"/>
+              </a:xfrm>
+            </p:grpSpPr>
+            <p:pic>
+              <p:nvPicPr>
+                <p:cNvPr id="36" name="Imagen 35">
+                  <a:extLst>
+                    <a:ext uri="{FF2B5EF4-FFF2-40B4-BE49-F238E27FC236}">
+                      <a16:creationId xmlns:a16="http://schemas.microsoft.com/office/drawing/2014/main" id="{F5E7647B-3DBD-03C0-C69C-0FDEBA0C2CC8}"/>
+                    </a:ext>
+                  </a:extLst>
+                </p:cNvPr>
+                <p:cNvPicPr>
+                  <a:picLocks noChangeAspect="1"/>
+                </p:cNvPicPr>
+                <p:nvPr/>
+              </p:nvPicPr>
+              <p:blipFill rotWithShape="1">
+                <a:blip r:embed="rId2">
+                  <a:extLst>
+                    <a:ext uri="{BEBA8EAE-BF5A-486C-A8C5-ECC9F3942E4B}">
+                      <a14:imgProps xmlns:a14="http://schemas.microsoft.com/office/drawing/2010/main">
+                        <a14:imgLayer r:embed="rId3">
+                          <a14:imgEffect>
+                            <a14:backgroundRemoval t="10000" b="90000" l="10000" r="90000">
+                              <a14:backgroundMark x1="41895" y1="41406" x2="43555" y2="51074"/>
+                              <a14:backgroundMark x1="67773" y1="22070" x2="67773" y2="22070"/>
+                            </a14:backgroundRemoval>
+                          </a14:imgEffect>
+                        </a14:imgLayer>
+                      </a14:imgProps>
+                    </a:ext>
+                  </a:extLst>
+                </a:blip>
+                <a:srcRect l="26023" t="43752" r="25787" b="30880"/>
+                <a:stretch/>
+              </p:blipFill>
+              <p:spPr>
+                <a:xfrm>
+                  <a:off x="4451659" y="3005138"/>
+                  <a:ext cx="3304975" cy="1739792"/>
+                </a:xfrm>
+                <a:prstGeom prst="rect">
+                  <a:avLst/>
+                </a:prstGeom>
+              </p:spPr>
+            </p:pic>
+            <p:pic>
+              <p:nvPicPr>
+                <p:cNvPr id="37" name="Imagen 36">
+                  <a:extLst>
+                    <a:ext uri="{FF2B5EF4-FFF2-40B4-BE49-F238E27FC236}">
+                      <a16:creationId xmlns:a16="http://schemas.microsoft.com/office/drawing/2014/main" id="{750F5652-2923-AA55-8BCF-8F7477645973}"/>
+                    </a:ext>
+                  </a:extLst>
+                </p:cNvPr>
+                <p:cNvPicPr>
+                  <a:picLocks noChangeAspect="1"/>
+                </p:cNvPicPr>
+                <p:nvPr/>
+              </p:nvPicPr>
+              <p:blipFill rotWithShape="1">
+                <a:blip r:embed="rId2">
+                  <a:extLst>
+                    <a:ext uri="{BEBA8EAE-BF5A-486C-A8C5-ECC9F3942E4B}">
+                      <a14:imgProps xmlns:a14="http://schemas.microsoft.com/office/drawing/2010/main">
+                        <a14:imgLayer r:embed="rId4">
+                          <a14:imgEffect>
+                            <a14:backgroundRemoval t="10000" b="90000" l="10000" r="90000">
+                              <a14:backgroundMark x1="41895" y1="41406" x2="43555" y2="51074"/>
+                              <a14:backgroundMark x1="67773" y1="22070" x2="67773" y2="22070"/>
+                            </a14:backgroundRemoval>
+                          </a14:imgEffect>
+                        </a14:imgLayer>
+                      </a14:imgProps>
+                    </a:ext>
+                  </a:extLst>
+                </a:blip>
+                <a:srcRect l="26023" t="43752" r="25787" b="30880"/>
+                <a:stretch/>
+              </p:blipFill>
+              <p:spPr>
+                <a:xfrm flipV="1">
+                  <a:off x="4451661" y="1265344"/>
+                  <a:ext cx="3304974" cy="1739793"/>
+                </a:xfrm>
+                <a:prstGeom prst="rect">
+                  <a:avLst/>
+                </a:prstGeom>
+              </p:spPr>
+            </p:pic>
+            <p:pic>
+              <p:nvPicPr>
+                <p:cNvPr id="40" name="Imagen 39">
+                  <a:extLst>
+                    <a:ext uri="{FF2B5EF4-FFF2-40B4-BE49-F238E27FC236}">
+                      <a16:creationId xmlns:a16="http://schemas.microsoft.com/office/drawing/2014/main" id="{BB382068-3008-1538-9407-F99C9C11E9F2}"/>
+                    </a:ext>
+                  </a:extLst>
+                </p:cNvPr>
+                <p:cNvPicPr>
+                  <a:picLocks noChangeAspect="1"/>
+                </p:cNvPicPr>
+                <p:nvPr/>
+              </p:nvPicPr>
+              <p:blipFill rotWithShape="1">
+                <a:blip r:embed="rId2">
+                  <a:extLst>
+                    <a:ext uri="{BEBA8EAE-BF5A-486C-A8C5-ECC9F3942E4B}">
+                      <a14:imgProps xmlns:a14="http://schemas.microsoft.com/office/drawing/2010/main">
+                        <a14:imgLayer r:embed="rId5">
+                          <a14:imgEffect>
+                            <a14:backgroundRemoval t="10000" b="90000" l="10000" r="90000">
+                              <a14:backgroundMark x1="41895" y1="41406" x2="43555" y2="51074"/>
+                              <a14:backgroundMark x1="67773" y1="22070" x2="67773" y2="22070"/>
+                            </a14:backgroundRemoval>
+                          </a14:imgEffect>
+                        </a14:imgLayer>
+                      </a14:imgProps>
+                    </a:ext>
+                  </a:extLst>
+                </a:blip>
+                <a:srcRect l="29700" t="61581" r="38416" b="32043"/>
+                <a:stretch/>
+              </p:blipFill>
+              <p:spPr>
+                <a:xfrm rot="16200000" flipV="1">
+                  <a:off x="3876884" y="2610937"/>
+                  <a:ext cx="2186608" cy="848102"/>
+                </a:xfrm>
+                <a:prstGeom prst="rect">
+                  <a:avLst/>
+                </a:prstGeom>
+                <a:effectLst>
+                  <a:softEdge rad="12700"/>
+                </a:effectLst>
+              </p:spPr>
+            </p:pic>
+          </p:grpSp>
+          <p:sp>
+            <p:nvSpPr>
+              <p:cNvPr id="13" name="Conector 20">
+                <a:extLst>
+                  <a:ext uri="{FF2B5EF4-FFF2-40B4-BE49-F238E27FC236}">
+                    <a16:creationId xmlns:a16="http://schemas.microsoft.com/office/drawing/2014/main" id="{871584DF-B423-3673-0AB8-7A2418AC47D7}"/>
+                  </a:ext>
+                </a:extLst>
+              </p:cNvPr>
+              <p:cNvSpPr>
+                <a:spLocks noChangeAspect="1"/>
+              </p:cNvSpPr>
+              <p:nvPr/>
+            </p:nvSpPr>
+            <p:spPr>
+              <a:xfrm rot="5400000">
+                <a:off x="2991767" y="1980262"/>
+                <a:ext cx="360000" cy="360000"/>
+              </a:xfrm>
+              <a:prstGeom prst="flowChartConnector">
+                <a:avLst/>
+              </a:prstGeom>
+              <a:solidFill>
+                <a:srgbClr val="1F1C0C"/>
+              </a:solidFill>
+              <a:ln>
+                <a:noFill/>
+              </a:ln>
+            </p:spPr>
+            <p:style>
+              <a:lnRef idx="2">
+                <a:schemeClr val="accent1">
+                  <a:shade val="15000"/>
+                </a:schemeClr>
+              </a:lnRef>
+              <a:fillRef idx="1">
+                <a:schemeClr val="accent1"/>
+              </a:fillRef>
+              <a:effectRef idx="0">
+                <a:schemeClr val="accent1"/>
+              </a:effectRef>
+              <a:fontRef idx="minor">
+                <a:schemeClr val="lt1"/>
+              </a:fontRef>
+            </p:style>
+            <p:txBody>
+              <a:bodyPr rtlCol="0" anchor="ctr"/>
+              <a:lstStyle/>
+              <a:p>
+                <a:pPr algn="ctr"/>
+                <a:endParaRPr lang="es-CL"/>
+              </a:p>
+            </p:txBody>
+          </p:sp>
+          <p:pic>
+            <p:nvPicPr>
+              <p:cNvPr id="14" name="Imagen 13">
+                <a:extLst>
+                  <a:ext uri="{FF2B5EF4-FFF2-40B4-BE49-F238E27FC236}">
+                    <a16:creationId xmlns:a16="http://schemas.microsoft.com/office/drawing/2014/main" id="{FABF5AC9-FB0C-E9F3-4A36-053AA2D9E7A3}"/>
+                  </a:ext>
+                </a:extLst>
+              </p:cNvPr>
+              <p:cNvPicPr>
+                <a:picLocks noChangeAspect="1"/>
+              </p:cNvPicPr>
+              <p:nvPr/>
+            </p:nvPicPr>
+            <p:blipFill>
+              <a:blip r:embed="rId8"/>
+              <a:stretch>
+                <a:fillRect/>
+              </a:stretch>
+            </p:blipFill>
+            <p:spPr>
+              <a:xfrm rot="6152572">
+                <a:off x="2728167" y="1923536"/>
+                <a:ext cx="411990" cy="80303"/>
+              </a:xfrm>
+              <a:prstGeom prst="rect">
+                <a:avLst/>
+              </a:prstGeom>
+            </p:spPr>
+          </p:pic>
+          <p:sp>
+            <p:nvSpPr>
+              <p:cNvPr id="16" name="Conector 33">
+                <a:extLst>
+                  <a:ext uri="{FF2B5EF4-FFF2-40B4-BE49-F238E27FC236}">
+                    <a16:creationId xmlns:a16="http://schemas.microsoft.com/office/drawing/2014/main" id="{E9499319-F5A4-7872-7E0A-A260B8F1278C}"/>
+                  </a:ext>
+                </a:extLst>
+              </p:cNvPr>
+              <p:cNvSpPr>
+                <a:spLocks noChangeAspect="1"/>
+              </p:cNvSpPr>
+              <p:nvPr/>
+            </p:nvSpPr>
+            <p:spPr>
+              <a:xfrm rot="5400000">
+                <a:off x="2992314" y="2548490"/>
+                <a:ext cx="360000" cy="358905"/>
+              </a:xfrm>
+              <a:prstGeom prst="flowChartConnector">
+                <a:avLst/>
+              </a:prstGeom>
+              <a:solidFill>
+                <a:srgbClr val="1F1C0C"/>
+              </a:solidFill>
+              <a:ln>
+                <a:noFill/>
+              </a:ln>
+            </p:spPr>
+            <p:style>
+              <a:lnRef idx="2">
+                <a:schemeClr val="accent1">
+                  <a:shade val="15000"/>
+                </a:schemeClr>
+              </a:lnRef>
+              <a:fillRef idx="1">
+                <a:schemeClr val="accent1"/>
+              </a:fillRef>
+              <a:effectRef idx="0">
+                <a:schemeClr val="accent1"/>
+              </a:effectRef>
+              <a:fontRef idx="minor">
+                <a:schemeClr val="lt1"/>
+              </a:fontRef>
+            </p:style>
+            <p:txBody>
+              <a:bodyPr rtlCol="0" anchor="ctr"/>
+              <a:lstStyle/>
+              <a:p>
+                <a:pPr algn="ctr"/>
+                <a:endParaRPr lang="es-CL"/>
+              </a:p>
+            </p:txBody>
+          </p:sp>
+          <p:pic>
+            <p:nvPicPr>
+              <p:cNvPr id="17" name="Imagen 16">
+                <a:extLst>
+                  <a:ext uri="{FF2B5EF4-FFF2-40B4-BE49-F238E27FC236}">
+                    <a16:creationId xmlns:a16="http://schemas.microsoft.com/office/drawing/2014/main" id="{6B4D8723-3706-353D-FC89-143C655BF23F}"/>
+                  </a:ext>
+                </a:extLst>
+              </p:cNvPr>
+              <p:cNvPicPr>
+                <a:picLocks noChangeAspect="1"/>
+              </p:cNvPicPr>
+              <p:nvPr/>
+            </p:nvPicPr>
+            <p:blipFill>
+              <a:blip r:embed="rId8"/>
+              <a:stretch>
+                <a:fillRect/>
+              </a:stretch>
+            </p:blipFill>
+            <p:spPr>
+              <a:xfrm rot="4882562">
+                <a:off x="2728167" y="2914160"/>
+                <a:ext cx="411990" cy="80303"/>
+              </a:xfrm>
+              <a:prstGeom prst="rect">
+                <a:avLst/>
+              </a:prstGeom>
+            </p:spPr>
+          </p:pic>
+          <p:pic>
+            <p:nvPicPr>
+              <p:cNvPr id="18" name="Imagen 17">
+                <a:extLst>
+                  <a:ext uri="{FF2B5EF4-FFF2-40B4-BE49-F238E27FC236}">
+                    <a16:creationId xmlns:a16="http://schemas.microsoft.com/office/drawing/2014/main" id="{4C2231B6-A6A4-5865-E420-9218369F44DE}"/>
+                  </a:ext>
+                </a:extLst>
+              </p:cNvPr>
+              <p:cNvPicPr>
+                <a:picLocks noChangeAspect="1"/>
+              </p:cNvPicPr>
+              <p:nvPr/>
+            </p:nvPicPr>
+            <p:blipFill>
+              <a:blip r:embed="rId8"/>
+              <a:stretch>
+                <a:fillRect/>
+              </a:stretch>
+            </p:blipFill>
+            <p:spPr>
+              <a:xfrm rot="4882562">
+                <a:off x="2557904" y="1923424"/>
+                <a:ext cx="411990" cy="80303"/>
+              </a:xfrm>
+              <a:prstGeom prst="rect">
+                <a:avLst/>
+              </a:prstGeom>
+            </p:spPr>
+          </p:pic>
+          <p:pic>
+            <p:nvPicPr>
+              <p:cNvPr id="19" name="Imagen 18">
+                <a:extLst>
+                  <a:ext uri="{FF2B5EF4-FFF2-40B4-BE49-F238E27FC236}">
+                    <a16:creationId xmlns:a16="http://schemas.microsoft.com/office/drawing/2014/main" id="{D234C635-E5BE-0143-55FD-B3D81F653FC5}"/>
+                  </a:ext>
+                </a:extLst>
+              </p:cNvPr>
+              <p:cNvPicPr>
+                <a:picLocks noChangeAspect="1"/>
+              </p:cNvPicPr>
+              <p:nvPr/>
+            </p:nvPicPr>
+            <p:blipFill>
+              <a:blip r:embed="rId8"/>
+              <a:stretch>
+                <a:fillRect/>
+              </a:stretch>
+            </p:blipFill>
+            <p:spPr>
+              <a:xfrm rot="6152572">
+                <a:off x="2537922" y="2907431"/>
+                <a:ext cx="411990" cy="80303"/>
+              </a:xfrm>
+              <a:prstGeom prst="rect">
+                <a:avLst/>
+              </a:prstGeom>
+            </p:spPr>
+          </p:pic>
+          <p:grpSp>
+            <p:nvGrpSpPr>
+              <p:cNvPr id="20" name="Grupo 19">
+                <a:extLst>
+                  <a:ext uri="{FF2B5EF4-FFF2-40B4-BE49-F238E27FC236}">
+                    <a16:creationId xmlns:a16="http://schemas.microsoft.com/office/drawing/2014/main" id="{D2390813-8039-8961-06C5-4DBFE1DBB254}"/>
+                  </a:ext>
+                </a:extLst>
+              </p:cNvPr>
+              <p:cNvGrpSpPr/>
+              <p:nvPr/>
+            </p:nvGrpSpPr>
+            <p:grpSpPr>
+              <a:xfrm rot="5400000">
+                <a:off x="2849546" y="2410192"/>
+                <a:ext cx="169234" cy="85480"/>
+                <a:chOff x="6358892" y="3565666"/>
+                <a:chExt cx="1244902" cy="575999"/>
+              </a:xfrm>
+            </p:grpSpPr>
+            <p:sp>
+              <p:nvSpPr>
+                <p:cNvPr id="30" name="Elipse 29">
+                  <a:extLst>
+                    <a:ext uri="{FF2B5EF4-FFF2-40B4-BE49-F238E27FC236}">
+                      <a16:creationId xmlns:a16="http://schemas.microsoft.com/office/drawing/2014/main" id="{2738746E-D2DD-3D80-82D2-8FCBC3F41B84}"/>
+                    </a:ext>
+                  </a:extLst>
+                </p:cNvPr>
+                <p:cNvSpPr>
+                  <a:spLocks noChangeAspect="1"/>
+                </p:cNvSpPr>
+                <p:nvPr/>
+              </p:nvSpPr>
+              <p:spPr>
+                <a:xfrm>
+                  <a:off x="6358892" y="3565775"/>
+                  <a:ext cx="575999" cy="568911"/>
+                </a:xfrm>
+                <a:prstGeom prst="ellipse">
+                  <a:avLst/>
+                </a:prstGeom>
+                <a:solidFill>
+                  <a:srgbClr val="1F1C0C"/>
+                </a:solidFill>
+                <a:ln>
+                  <a:noFill/>
+                </a:ln>
+              </p:spPr>
+              <p:style>
+                <a:lnRef idx="2">
+                  <a:schemeClr val="accent1">
+                    <a:shade val="15000"/>
+                  </a:schemeClr>
+                </a:lnRef>
+                <a:fillRef idx="1">
+                  <a:schemeClr val="accent1"/>
+                </a:fillRef>
+                <a:effectRef idx="0">
+                  <a:schemeClr val="accent1"/>
+                </a:effectRef>
+                <a:fontRef idx="minor">
+                  <a:schemeClr val="lt1"/>
+                </a:fontRef>
+              </p:style>
+              <p:txBody>
+                <a:bodyPr rtlCol="0" anchor="ctr"/>
+                <a:lstStyle/>
+                <a:p>
+                  <a:pPr algn="ctr"/>
+                  <a:endParaRPr lang="es-CL"/>
+                </a:p>
+              </p:txBody>
+            </p:sp>
+            <p:sp>
+              <p:nvSpPr>
+                <p:cNvPr id="31" name="Rectángulo 30">
+                  <a:extLst>
+                    <a:ext uri="{FF2B5EF4-FFF2-40B4-BE49-F238E27FC236}">
+                      <a16:creationId xmlns:a16="http://schemas.microsoft.com/office/drawing/2014/main" id="{D53B1FE9-B2B4-359D-F71F-916FCE0C8632}"/>
+                    </a:ext>
+                  </a:extLst>
+                </p:cNvPr>
+                <p:cNvSpPr/>
+                <p:nvPr/>
+              </p:nvSpPr>
+              <p:spPr>
+                <a:xfrm>
+                  <a:off x="6620730" y="3565666"/>
+                  <a:ext cx="708643" cy="575999"/>
+                </a:xfrm>
+                <a:prstGeom prst="rect">
+                  <a:avLst/>
+                </a:prstGeom>
+                <a:solidFill>
+                  <a:srgbClr val="1F1C0C"/>
+                </a:solidFill>
+                <a:ln>
+                  <a:noFill/>
+                </a:ln>
+              </p:spPr>
+              <p:style>
+                <a:lnRef idx="2">
+                  <a:schemeClr val="accent1">
+                    <a:shade val="15000"/>
+                  </a:schemeClr>
+                </a:lnRef>
+                <a:fillRef idx="1">
+                  <a:schemeClr val="accent1"/>
+                </a:fillRef>
+                <a:effectRef idx="0">
+                  <a:schemeClr val="accent1"/>
+                </a:effectRef>
+                <a:fontRef idx="minor">
+                  <a:schemeClr val="lt1"/>
+                </a:fontRef>
+              </p:style>
+              <p:txBody>
+                <a:bodyPr rtlCol="0" anchor="ctr"/>
+                <a:lstStyle/>
+                <a:p>
+                  <a:pPr algn="ctr"/>
+                  <a:endParaRPr lang="es-CL"/>
+                </a:p>
+              </p:txBody>
+            </p:sp>
+            <p:sp>
+              <p:nvSpPr>
+                <p:cNvPr id="32" name="Elipse 31">
+                  <a:extLst>
+                    <a:ext uri="{FF2B5EF4-FFF2-40B4-BE49-F238E27FC236}">
+                      <a16:creationId xmlns:a16="http://schemas.microsoft.com/office/drawing/2014/main" id="{4FFC565B-3531-F035-67D0-200F8BB4B9C2}"/>
+                    </a:ext>
+                  </a:extLst>
+                </p:cNvPr>
+                <p:cNvSpPr>
+                  <a:spLocks noChangeAspect="1"/>
+                </p:cNvSpPr>
+                <p:nvPr/>
+              </p:nvSpPr>
+              <p:spPr>
+                <a:xfrm>
+                  <a:off x="7027794" y="3566703"/>
+                  <a:ext cx="576000" cy="574961"/>
+                </a:xfrm>
+                <a:prstGeom prst="ellipse">
+                  <a:avLst/>
+                </a:prstGeom>
+                <a:solidFill>
+                  <a:srgbClr val="1F1C0C"/>
+                </a:solidFill>
+                <a:ln>
+                  <a:noFill/>
+                </a:ln>
+              </p:spPr>
+              <p:style>
+                <a:lnRef idx="2">
+                  <a:schemeClr val="accent1">
+                    <a:shade val="15000"/>
+                  </a:schemeClr>
+                </a:lnRef>
+                <a:fillRef idx="1">
+                  <a:schemeClr val="accent1"/>
+                </a:fillRef>
+                <a:effectRef idx="0">
+                  <a:schemeClr val="accent1"/>
+                </a:effectRef>
+                <a:fontRef idx="minor">
+                  <a:schemeClr val="lt1"/>
+                </a:fontRef>
+              </p:style>
+              <p:txBody>
+                <a:bodyPr rtlCol="0" anchor="ctr"/>
+                <a:lstStyle/>
+                <a:p>
+                  <a:pPr algn="ctr"/>
+                  <a:endParaRPr lang="es-CL"/>
+                </a:p>
+              </p:txBody>
+            </p:sp>
+          </p:grpSp>
+          <p:grpSp>
+            <p:nvGrpSpPr>
+              <p:cNvPr id="22" name="Grupo 21">
+                <a:extLst>
+                  <a:ext uri="{FF2B5EF4-FFF2-40B4-BE49-F238E27FC236}">
+                    <a16:creationId xmlns:a16="http://schemas.microsoft.com/office/drawing/2014/main" id="{54A8D7A3-3C34-7CBE-03F6-CEE9F86FF1DB}"/>
+                  </a:ext>
+                </a:extLst>
+              </p:cNvPr>
+              <p:cNvGrpSpPr/>
+              <p:nvPr/>
+            </p:nvGrpSpPr>
+            <p:grpSpPr>
+              <a:xfrm rot="1395084">
+                <a:off x="2803022" y="2434933"/>
+                <a:ext cx="169234" cy="85480"/>
+                <a:chOff x="6358892" y="3565666"/>
+                <a:chExt cx="1244902" cy="575999"/>
+              </a:xfrm>
+            </p:grpSpPr>
+            <p:sp>
+              <p:nvSpPr>
+                <p:cNvPr id="27" name="Elipse 26">
+                  <a:extLst>
+                    <a:ext uri="{FF2B5EF4-FFF2-40B4-BE49-F238E27FC236}">
+                      <a16:creationId xmlns:a16="http://schemas.microsoft.com/office/drawing/2014/main" id="{2BEB769E-ACB2-C215-5823-67FF9EE9ADC2}"/>
+                    </a:ext>
+                  </a:extLst>
+                </p:cNvPr>
+                <p:cNvSpPr>
+                  <a:spLocks noChangeAspect="1"/>
+                </p:cNvSpPr>
+                <p:nvPr/>
+              </p:nvSpPr>
+              <p:spPr>
+                <a:xfrm>
+                  <a:off x="6358892" y="3565775"/>
+                  <a:ext cx="575999" cy="568911"/>
+                </a:xfrm>
+                <a:prstGeom prst="ellipse">
+                  <a:avLst/>
+                </a:prstGeom>
+                <a:solidFill>
+                  <a:srgbClr val="1F1C0C"/>
+                </a:solidFill>
+                <a:ln>
+                  <a:noFill/>
+                </a:ln>
+              </p:spPr>
+              <p:style>
+                <a:lnRef idx="2">
+                  <a:schemeClr val="accent1">
+                    <a:shade val="15000"/>
+                  </a:schemeClr>
+                </a:lnRef>
+                <a:fillRef idx="1">
+                  <a:schemeClr val="accent1"/>
+                </a:fillRef>
+                <a:effectRef idx="0">
+                  <a:schemeClr val="accent1"/>
+                </a:effectRef>
+                <a:fontRef idx="minor">
+                  <a:schemeClr val="lt1"/>
+                </a:fontRef>
+              </p:style>
+              <p:txBody>
+                <a:bodyPr rtlCol="0" anchor="ctr"/>
+                <a:lstStyle/>
+                <a:p>
+                  <a:pPr algn="ctr"/>
+                  <a:endParaRPr lang="es-CL"/>
+                </a:p>
+              </p:txBody>
+            </p:sp>
+            <p:sp>
+              <p:nvSpPr>
+                <p:cNvPr id="28" name="Rectángulo 27">
+                  <a:extLst>
+                    <a:ext uri="{FF2B5EF4-FFF2-40B4-BE49-F238E27FC236}">
+                      <a16:creationId xmlns:a16="http://schemas.microsoft.com/office/drawing/2014/main" id="{2970E219-9B63-70FB-AA6B-C129AECB20AA}"/>
+                    </a:ext>
+                  </a:extLst>
+                </p:cNvPr>
+                <p:cNvSpPr/>
+                <p:nvPr/>
+              </p:nvSpPr>
+              <p:spPr>
+                <a:xfrm>
+                  <a:off x="6620730" y="3565666"/>
+                  <a:ext cx="708643" cy="575999"/>
+                </a:xfrm>
+                <a:prstGeom prst="rect">
+                  <a:avLst/>
+                </a:prstGeom>
+                <a:solidFill>
+                  <a:srgbClr val="1F1C0C"/>
+                </a:solidFill>
+                <a:ln>
+                  <a:noFill/>
+                </a:ln>
+              </p:spPr>
+              <p:style>
+                <a:lnRef idx="2">
+                  <a:schemeClr val="accent1">
+                    <a:shade val="15000"/>
+                  </a:schemeClr>
+                </a:lnRef>
+                <a:fillRef idx="1">
+                  <a:schemeClr val="accent1"/>
+                </a:fillRef>
+                <a:effectRef idx="0">
+                  <a:schemeClr val="accent1"/>
+                </a:effectRef>
+                <a:fontRef idx="minor">
+                  <a:schemeClr val="lt1"/>
+                </a:fontRef>
+              </p:style>
+              <p:txBody>
+                <a:bodyPr rtlCol="0" anchor="ctr"/>
+                <a:lstStyle/>
+                <a:p>
+                  <a:pPr algn="ctr"/>
+                  <a:endParaRPr lang="es-CL"/>
+                </a:p>
+              </p:txBody>
+            </p:sp>
+            <p:sp>
+              <p:nvSpPr>
+                <p:cNvPr id="29" name="Elipse 28">
+                  <a:extLst>
+                    <a:ext uri="{FF2B5EF4-FFF2-40B4-BE49-F238E27FC236}">
+                      <a16:creationId xmlns:a16="http://schemas.microsoft.com/office/drawing/2014/main" id="{A96618BF-826C-422A-B933-7F7E588130D8}"/>
+                    </a:ext>
+                  </a:extLst>
+                </p:cNvPr>
+                <p:cNvSpPr>
+                  <a:spLocks noChangeAspect="1"/>
+                </p:cNvSpPr>
+                <p:nvPr/>
+              </p:nvSpPr>
+              <p:spPr>
+                <a:xfrm>
+                  <a:off x="7027794" y="3566703"/>
+                  <a:ext cx="576000" cy="574961"/>
+                </a:xfrm>
+                <a:prstGeom prst="ellipse">
+                  <a:avLst/>
+                </a:prstGeom>
+                <a:solidFill>
+                  <a:srgbClr val="1F1C0C"/>
+                </a:solidFill>
+                <a:ln>
+                  <a:noFill/>
+                </a:ln>
+              </p:spPr>
+              <p:style>
+                <a:lnRef idx="2">
+                  <a:schemeClr val="accent1">
+                    <a:shade val="15000"/>
+                  </a:schemeClr>
+                </a:lnRef>
+                <a:fillRef idx="1">
+                  <a:schemeClr val="accent1"/>
+                </a:fillRef>
+                <a:effectRef idx="0">
+                  <a:schemeClr val="accent1"/>
+                </a:effectRef>
+                <a:fontRef idx="minor">
+                  <a:schemeClr val="lt1"/>
+                </a:fontRef>
+              </p:style>
+              <p:txBody>
+                <a:bodyPr rtlCol="0" anchor="ctr"/>
+                <a:lstStyle/>
+                <a:p>
+                  <a:pPr algn="ctr"/>
+                  <a:endParaRPr lang="es-CL"/>
+                </a:p>
+              </p:txBody>
+            </p:sp>
+          </p:grpSp>
+          <p:grpSp>
+            <p:nvGrpSpPr>
+              <p:cNvPr id="23" name="Grupo 22">
+                <a:extLst>
+                  <a:ext uri="{FF2B5EF4-FFF2-40B4-BE49-F238E27FC236}">
+                    <a16:creationId xmlns:a16="http://schemas.microsoft.com/office/drawing/2014/main" id="{CDE1E940-47BE-26F1-7C8F-1E129A07F93C}"/>
+                  </a:ext>
+                </a:extLst>
+              </p:cNvPr>
+              <p:cNvGrpSpPr/>
+              <p:nvPr/>
+            </p:nvGrpSpPr>
+            <p:grpSpPr>
+              <a:xfrm rot="19786902">
+                <a:off x="2800415" y="2393252"/>
+                <a:ext cx="169234" cy="85480"/>
+                <a:chOff x="6358892" y="3565666"/>
+                <a:chExt cx="1244902" cy="575999"/>
+              </a:xfrm>
+            </p:grpSpPr>
+            <p:sp>
+              <p:nvSpPr>
+                <p:cNvPr id="24" name="Elipse 23">
+                  <a:extLst>
+                    <a:ext uri="{FF2B5EF4-FFF2-40B4-BE49-F238E27FC236}">
+                      <a16:creationId xmlns:a16="http://schemas.microsoft.com/office/drawing/2014/main" id="{8E44333E-8FC3-7A99-02C4-74A9F9BE396C}"/>
+                    </a:ext>
+                  </a:extLst>
+                </p:cNvPr>
+                <p:cNvSpPr>
+                  <a:spLocks noChangeAspect="1"/>
+                </p:cNvSpPr>
+                <p:nvPr/>
+              </p:nvSpPr>
+              <p:spPr>
+                <a:xfrm>
+                  <a:off x="6358892" y="3565775"/>
+                  <a:ext cx="575999" cy="568911"/>
+                </a:xfrm>
+                <a:prstGeom prst="ellipse">
+                  <a:avLst/>
+                </a:prstGeom>
+                <a:solidFill>
+                  <a:srgbClr val="1F1C0C"/>
+                </a:solidFill>
+                <a:ln>
+                  <a:noFill/>
+                </a:ln>
+              </p:spPr>
+              <p:style>
+                <a:lnRef idx="2">
+                  <a:schemeClr val="accent1">
+                    <a:shade val="15000"/>
+                  </a:schemeClr>
+                </a:lnRef>
+                <a:fillRef idx="1">
+                  <a:schemeClr val="accent1"/>
+                </a:fillRef>
+                <a:effectRef idx="0">
+                  <a:schemeClr val="accent1"/>
+                </a:effectRef>
+                <a:fontRef idx="minor">
+                  <a:schemeClr val="lt1"/>
+                </a:fontRef>
+              </p:style>
+              <p:txBody>
+                <a:bodyPr rtlCol="0" anchor="ctr"/>
+                <a:lstStyle/>
+                <a:p>
+                  <a:pPr algn="ctr"/>
+                  <a:endParaRPr lang="es-CL"/>
+                </a:p>
+              </p:txBody>
+            </p:sp>
+            <p:sp>
+              <p:nvSpPr>
+                <p:cNvPr id="25" name="Rectángulo 24">
+                  <a:extLst>
+                    <a:ext uri="{FF2B5EF4-FFF2-40B4-BE49-F238E27FC236}">
+                      <a16:creationId xmlns:a16="http://schemas.microsoft.com/office/drawing/2014/main" id="{EB28BBA4-8262-1B15-16E6-2D9A06D00527}"/>
+                    </a:ext>
+                  </a:extLst>
+                </p:cNvPr>
+                <p:cNvSpPr/>
+                <p:nvPr/>
+              </p:nvSpPr>
+              <p:spPr>
+                <a:xfrm>
+                  <a:off x="6620730" y="3565666"/>
+                  <a:ext cx="708643" cy="575999"/>
+                </a:xfrm>
+                <a:prstGeom prst="rect">
+                  <a:avLst/>
+                </a:prstGeom>
+                <a:solidFill>
+                  <a:srgbClr val="1F1C0C"/>
+                </a:solidFill>
+                <a:ln>
+                  <a:noFill/>
+                </a:ln>
+              </p:spPr>
+              <p:style>
+                <a:lnRef idx="2">
+                  <a:schemeClr val="accent1">
+                    <a:shade val="15000"/>
+                  </a:schemeClr>
+                </a:lnRef>
+                <a:fillRef idx="1">
+                  <a:schemeClr val="accent1"/>
+                </a:fillRef>
+                <a:effectRef idx="0">
+                  <a:schemeClr val="accent1"/>
+                </a:effectRef>
+                <a:fontRef idx="minor">
+                  <a:schemeClr val="lt1"/>
+                </a:fontRef>
+              </p:style>
+              <p:txBody>
+                <a:bodyPr rtlCol="0" anchor="ctr"/>
+                <a:lstStyle/>
+                <a:p>
+                  <a:pPr algn="ctr"/>
+                  <a:endParaRPr lang="es-CL"/>
+                </a:p>
+              </p:txBody>
+            </p:sp>
+            <p:sp>
+              <p:nvSpPr>
+                <p:cNvPr id="26" name="Elipse 25">
+                  <a:extLst>
+                    <a:ext uri="{FF2B5EF4-FFF2-40B4-BE49-F238E27FC236}">
+                      <a16:creationId xmlns:a16="http://schemas.microsoft.com/office/drawing/2014/main" id="{4CE86C51-25C6-F960-F430-2C2C8BD95197}"/>
+                    </a:ext>
+                  </a:extLst>
+                </p:cNvPr>
+                <p:cNvSpPr>
+                  <a:spLocks noChangeAspect="1"/>
+                </p:cNvSpPr>
+                <p:nvPr/>
+              </p:nvSpPr>
+              <p:spPr>
+                <a:xfrm>
+                  <a:off x="7027794" y="3566703"/>
+                  <a:ext cx="576000" cy="574961"/>
+                </a:xfrm>
+                <a:prstGeom prst="ellipse">
+                  <a:avLst/>
+                </a:prstGeom>
+                <a:solidFill>
+                  <a:srgbClr val="1F1C0C"/>
+                </a:solidFill>
+                <a:ln>
+                  <a:noFill/>
+                </a:ln>
+              </p:spPr>
+              <p:style>
+                <a:lnRef idx="2">
+                  <a:schemeClr val="accent1">
+                    <a:shade val="15000"/>
+                  </a:schemeClr>
+                </a:lnRef>
+                <a:fillRef idx="1">
+                  <a:schemeClr val="accent1"/>
+                </a:fillRef>
+                <a:effectRef idx="0">
+                  <a:schemeClr val="accent1"/>
+                </a:effectRef>
+                <a:fontRef idx="minor">
+                  <a:schemeClr val="lt1"/>
+                </a:fontRef>
+              </p:style>
+              <p:txBody>
+                <a:bodyPr rtlCol="0" anchor="ctr"/>
+                <a:lstStyle/>
+                <a:p>
+                  <a:pPr algn="ctr"/>
+                  <a:endParaRPr lang="es-CL"/>
+                </a:p>
+              </p:txBody>
+            </p:sp>
+          </p:grpSp>
+        </p:grpSp>
+        <p:pic>
+          <p:nvPicPr>
+            <p:cNvPr id="10" name="Imagen 9">
+              <a:extLst>
+                <a:ext uri="{FF2B5EF4-FFF2-40B4-BE49-F238E27FC236}">
+                  <a16:creationId xmlns:a16="http://schemas.microsoft.com/office/drawing/2014/main" id="{1BEF77EF-4004-4483-C4AE-59C2AE5235A3}"/>
                 </a:ext>
               </a:extLst>
             </p:cNvPr>
